--- a/lesson04.pptx
+++ b/lesson04.pptx
@@ -287,6 +287,54 @@
             <pc:docMk/>
             <pc:sldMk cId="1034010322" sldId="364"/>
             <ac:picMk id="7" creationId="{C5A595D5-F77E-4E3A-A7A0-1CB829C677D1}"/>
+          </ac:picMkLst>
+        </pc:picChg>
+      </pc:sldChg>
+    </pc:docChg>
+  </pc:docChgLst>
+  <pc:docChgLst>
+    <pc:chgData name="Anatoliy Kigel" userId="7432c6c4687b0a9c" providerId="LiveId" clId="{7FCD552A-26E0-40C0-9AFA-4865EED69E38}"/>
+    <pc:docChg chg="custSel modSld">
+      <pc:chgData name="Anatoliy Kigel" userId="7432c6c4687b0a9c" providerId="LiveId" clId="{7FCD552A-26E0-40C0-9AFA-4865EED69E38}" dt="2021-07-11T18:53:11.846" v="21" actId="1076"/>
+      <pc:docMkLst>
+        <pc:docMk/>
+      </pc:docMkLst>
+      <pc:sldChg chg="addSp delSp modSp mod">
+        <pc:chgData name="Anatoliy Kigel" userId="7432c6c4687b0a9c" providerId="LiveId" clId="{7FCD552A-26E0-40C0-9AFA-4865EED69E38}" dt="2021-07-11T18:53:11.846" v="21" actId="1076"/>
+        <pc:sldMkLst>
+          <pc:docMk/>
+          <pc:sldMk cId="2395894973" sldId="366"/>
+        </pc:sldMkLst>
+        <pc:spChg chg="mod">
+          <ac:chgData name="Anatoliy Kigel" userId="7432c6c4687b0a9c" providerId="LiveId" clId="{7FCD552A-26E0-40C0-9AFA-4865EED69E38}" dt="2021-07-11T18:51:52.786" v="0" actId="20577"/>
+          <ac:spMkLst>
+            <pc:docMk/>
+            <pc:sldMk cId="2395894973" sldId="366"/>
+            <ac:spMk id="2" creationId="{00000000-0000-0000-0000-000000000000}"/>
+          </ac:spMkLst>
+        </pc:spChg>
+        <pc:spChg chg="mod">
+          <ac:chgData name="Anatoliy Kigel" userId="7432c6c4687b0a9c" providerId="LiveId" clId="{7FCD552A-26E0-40C0-9AFA-4865EED69E38}" dt="2021-07-11T18:51:58.663" v="13" actId="1036"/>
+          <ac:spMkLst>
+            <pc:docMk/>
+            <pc:sldMk cId="2395894973" sldId="366"/>
+            <ac:spMk id="6" creationId="{00000000-0000-0000-0000-000000000000}"/>
+          </ac:spMkLst>
+        </pc:spChg>
+        <pc:picChg chg="add mod">
+          <ac:chgData name="Anatoliy Kigel" userId="7432c6c4687b0a9c" providerId="LiveId" clId="{7FCD552A-26E0-40C0-9AFA-4865EED69E38}" dt="2021-07-11T18:53:11.846" v="21" actId="1076"/>
+          <ac:picMkLst>
+            <pc:docMk/>
+            <pc:sldMk cId="2395894973" sldId="366"/>
+            <ac:picMk id="5" creationId="{8B4CA5C0-73FC-480F-B415-1E9BBAB80EED}"/>
+          </ac:picMkLst>
+        </pc:picChg>
+        <pc:picChg chg="del">
+          <ac:chgData name="Anatoliy Kigel" userId="7432c6c4687b0a9c" providerId="LiveId" clId="{7FCD552A-26E0-40C0-9AFA-4865EED69E38}" dt="2021-07-11T18:53:00.313" v="14" actId="478"/>
+          <ac:picMkLst>
+            <pc:docMk/>
+            <pc:sldMk cId="2395894973" sldId="366"/>
+            <ac:picMk id="9" creationId="{DAE1DC5D-3000-4262-8D21-A166F8C11883}"/>
           </ac:picMkLst>
         </pc:picChg>
       </pc:sldChg>
@@ -660,7 +708,7 @@
             <a:fld id="{85522811-C5C6-42D2-A409-F8556720C93F}" type="datetimeFigureOut">
               <a:rPr lang="uk-UA" smtClean="0"/>
               <a:pPr/>
-              <a:t>19.05.2021</a:t>
+              <a:t>11.07.2021</a:t>
             </a:fld>
             <a:endParaRPr lang="uk-UA"/>
           </a:p>
@@ -1290,7 +1338,7 @@
             <a:fld id="{E6FC6B0D-6115-4D7C-8040-9C8E2349BB6E}" type="datetime1">
               <a:rPr lang="uk-UA" smtClean="0"/>
               <a:pPr/>
-              <a:t>19.05.2021</a:t>
+              <a:t>11.07.2021</a:t>
             </a:fld>
             <a:endParaRPr lang="uk-UA"/>
           </a:p>
@@ -1457,7 +1505,7 @@
             <a:fld id="{996367BA-0A39-4DE2-BFC3-D5290044365E}" type="datetime1">
               <a:rPr lang="uk-UA" smtClean="0"/>
               <a:pPr/>
-              <a:t>19.05.2021</a:t>
+              <a:t>11.07.2021</a:t>
             </a:fld>
             <a:endParaRPr lang="uk-UA"/>
           </a:p>
@@ -1634,7 +1682,7 @@
             <a:fld id="{1BD6A67F-6C29-47DC-AF8A-FDB3C787DF70}" type="datetime1">
               <a:rPr lang="uk-UA" smtClean="0"/>
               <a:pPr/>
-              <a:t>19.05.2021</a:t>
+              <a:t>11.07.2021</a:t>
             </a:fld>
             <a:endParaRPr lang="uk-UA"/>
           </a:p>
@@ -1801,7 +1849,7 @@
             <a:fld id="{1657D9C5-7FF1-434F-B56E-9BAD559744E9}" type="datetime1">
               <a:rPr lang="uk-UA" smtClean="0"/>
               <a:pPr/>
-              <a:t>19.05.2021</a:t>
+              <a:t>11.07.2021</a:t>
             </a:fld>
             <a:endParaRPr lang="uk-UA"/>
           </a:p>
@@ -2044,7 +2092,7 @@
             <a:fld id="{2CEB0FC9-DE63-476B-A1A9-BE934D9049F8}" type="datetime1">
               <a:rPr lang="uk-UA" smtClean="0"/>
               <a:pPr/>
-              <a:t>19.05.2021</a:t>
+              <a:t>11.07.2021</a:t>
             </a:fld>
             <a:endParaRPr lang="uk-UA"/>
           </a:p>
@@ -2329,7 +2377,7 @@
             <a:fld id="{F964460F-86E2-4DF6-9D0F-12F5005CF375}" type="datetime1">
               <a:rPr lang="uk-UA" smtClean="0"/>
               <a:pPr/>
-              <a:t>19.05.2021</a:t>
+              <a:t>11.07.2021</a:t>
             </a:fld>
             <a:endParaRPr lang="uk-UA"/>
           </a:p>
@@ -2748,7 +2796,7 @@
             <a:fld id="{C521715E-DDCD-4267-B0A5-2918B6F6768A}" type="datetime1">
               <a:rPr lang="uk-UA" smtClean="0"/>
               <a:pPr/>
-              <a:t>19.05.2021</a:t>
+              <a:t>11.07.2021</a:t>
             </a:fld>
             <a:endParaRPr lang="uk-UA"/>
           </a:p>
@@ -2863,7 +2911,7 @@
             <a:fld id="{9289842C-EB2D-4EBB-A272-2F6A49D9794D}" type="datetime1">
               <a:rPr lang="uk-UA" smtClean="0"/>
               <a:pPr/>
-              <a:t>19.05.2021</a:t>
+              <a:t>11.07.2021</a:t>
             </a:fld>
             <a:endParaRPr lang="uk-UA"/>
           </a:p>
@@ -2955,7 +3003,7 @@
             <a:fld id="{D036F091-B700-4B52-99AC-85D0FD94D904}" type="datetime1">
               <a:rPr lang="uk-UA" smtClean="0"/>
               <a:pPr/>
-              <a:t>19.05.2021</a:t>
+              <a:t>11.07.2021</a:t>
             </a:fld>
             <a:endParaRPr lang="uk-UA"/>
           </a:p>
@@ -3229,7 +3277,7 @@
             <a:fld id="{B35DFABA-3811-4634-B803-2EAC4CD0063B}" type="datetime1">
               <a:rPr lang="uk-UA" smtClean="0"/>
               <a:pPr/>
-              <a:t>19.05.2021</a:t>
+              <a:t>11.07.2021</a:t>
             </a:fld>
             <a:endParaRPr lang="uk-UA"/>
           </a:p>
@@ -3479,7 +3527,7 @@
             <a:fld id="{8A9EA25E-F88E-463A-A119-D1E55A881002}" type="datetime1">
               <a:rPr lang="uk-UA" smtClean="0"/>
               <a:pPr/>
-              <a:t>19.05.2021</a:t>
+              <a:t>11.07.2021</a:t>
             </a:fld>
             <a:endParaRPr lang="uk-UA"/>
           </a:p>
@@ -3689,7 +3737,7 @@
             <a:fld id="{E708ED03-0080-49A2-B709-7DA4ACB3A1C3}" type="datetime1">
               <a:rPr lang="uk-UA" smtClean="0"/>
               <a:pPr/>
-              <a:t>19.05.2021</a:t>
+              <a:t>11.07.2021</a:t>
             </a:fld>
             <a:endParaRPr lang="uk-UA"/>
           </a:p>
@@ -9012,7 +9060,7 @@
         <p:spPr>
           <a:xfrm>
             <a:off x="6096000" y="4869160"/>
-            <a:ext cx="4339842" cy="830997"/>
+            <a:ext cx="4339842" cy="461665"/>
           </a:xfrm>
           <a:prstGeom prst="rect">
             <a:avLst/>
@@ -9028,15 +9076,6 @@
               <a:rPr lang="en-US" sz="2400" b="1" dirty="0">
                 <a:hlinkClick r:id="rId2"/>
               </a:rPr>
-              <a:t>https://webref.ru/css/overflow</a:t>
-            </a:r>
-            <a:endParaRPr lang="ru-RU" sz="2400" b="1" dirty="0"/>
-          </a:p>
-          <a:p>
-            <a:r>
-              <a:rPr lang="en-US" sz="2400" b="1" dirty="0">
-                <a:hlinkClick r:id="rId3"/>
-              </a:rPr>
               <a:t>https://webref.ru/css/box-sizing</a:t>
             </a:r>
             <a:endParaRPr lang="en-US" sz="2400" b="1" dirty="0"/>
@@ -9051,8 +9090,8 @@
         </p:nvSpPr>
         <p:spPr>
           <a:xfrm>
-            <a:off x="6096000" y="1412776"/>
-            <a:ext cx="5112567" cy="3416320"/>
+            <a:off x="6096000" y="1715324"/>
+            <a:ext cx="5112567" cy="1569660"/>
           </a:xfrm>
           <a:prstGeom prst="rect">
             <a:avLst/>
@@ -9104,35 +9143,14 @@
               <a:t>.</a:t>
             </a:r>
           </a:p>
-          <a:p>
-            <a:endParaRPr lang="ru-RU" sz="2400" dirty="0"/>
-          </a:p>
-          <a:p>
-            <a:r>
-              <a:rPr lang="ru-RU" sz="2400" dirty="0"/>
-              <a:t>П.С. </a:t>
-            </a:r>
-            <a:r>
-              <a:rPr lang="en-US" sz="2400" b="1" dirty="0" err="1"/>
-              <a:t>overflow:auto</a:t>
-            </a:r>
-            <a:r>
-              <a:rPr lang="en-US" sz="2400" dirty="0"/>
-              <a:t> </a:t>
-            </a:r>
-            <a:r>
-              <a:rPr lang="ru-RU" sz="2400" dirty="0"/>
-              <a:t>всё же следует включать по необходимости, т.к. он скрывает контент который не помещается в тег.</a:t>
-            </a:r>
-          </a:p>
         </p:txBody>
       </p:sp>
       <p:pic>
         <p:nvPicPr>
-          <p:cNvPr id="9" name="Рисунок 8">
+          <p:cNvPr id="5" name="Рисунок 4">
             <a:extLst>
               <a:ext uri="{FF2B5EF4-FFF2-40B4-BE49-F238E27FC236}">
-                <a16:creationId xmlns:a16="http://schemas.microsoft.com/office/drawing/2014/main" id="{DAE1DC5D-3000-4262-8D21-A166F8C11883}"/>
+                <a16:creationId xmlns:a16="http://schemas.microsoft.com/office/drawing/2014/main" id="{8B4CA5C0-73FC-480F-B415-1E9BBAB80EED}"/>
               </a:ext>
             </a:extLst>
           </p:cNvPr>
@@ -9142,15 +9160,15 @@
           <p:nvPr/>
         </p:nvPicPr>
         <p:blipFill>
-          <a:blip r:embed="rId4"/>
+          <a:blip r:embed="rId3"/>
           <a:stretch>
             <a:fillRect/>
           </a:stretch>
         </p:blipFill>
         <p:spPr>
           <a:xfrm>
-            <a:off x="839416" y="1700808"/>
-            <a:ext cx="4896570" cy="3614460"/>
+            <a:off x="839416" y="1844824"/>
+            <a:ext cx="4752528" cy="2659065"/>
           </a:xfrm>
           <a:prstGeom prst="rect">
             <a:avLst/>
@@ -9159,9 +9177,9 @@
             <a:noFill/>
           </a:ln>
           <a:effectLst>
-            <a:outerShdw blurRad="190500" algn="tl" rotWithShape="0">
-              <a:srgbClr val="000000">
-                <a:alpha val="70000"/>
+            <a:outerShdw blurRad="292100" dist="139700" dir="2700000" algn="tl" rotWithShape="0">
+              <a:srgbClr val="333333">
+                <a:alpha val="65000"/>
               </a:srgbClr>
             </a:outerShdw>
           </a:effectLst>
